--- a/EC_Presentation.pptx
+++ b/EC_Presentation.pptx
@@ -268,7 +268,7 @@
           <a:p>
             <a:fld id="{E15AAF15-BC94-4599-8F33-F774C0E903A0}" type="datetimeFigureOut">
               <a:rPr lang="fr-FR" smtClean="0"/>
-              <a:t>14/11/2022</a:t>
+              <a:t>20/11/2022</a:t>
             </a:fld>
             <a:endParaRPr lang="fr-FR"/>
           </a:p>
@@ -466,7 +466,7 @@
           <a:p>
             <a:fld id="{E15AAF15-BC94-4599-8F33-F774C0E903A0}" type="datetimeFigureOut">
               <a:rPr lang="fr-FR" smtClean="0"/>
-              <a:t>14/11/2022</a:t>
+              <a:t>20/11/2022</a:t>
             </a:fld>
             <a:endParaRPr lang="fr-FR"/>
           </a:p>
@@ -674,7 +674,7 @@
           <a:p>
             <a:fld id="{E15AAF15-BC94-4599-8F33-F774C0E903A0}" type="datetimeFigureOut">
               <a:rPr lang="fr-FR" smtClean="0"/>
-              <a:t>14/11/2022</a:t>
+              <a:t>20/11/2022</a:t>
             </a:fld>
             <a:endParaRPr lang="fr-FR"/>
           </a:p>
@@ -872,7 +872,7 @@
           <a:p>
             <a:fld id="{E15AAF15-BC94-4599-8F33-F774C0E903A0}" type="datetimeFigureOut">
               <a:rPr lang="fr-FR" smtClean="0"/>
-              <a:t>14/11/2022</a:t>
+              <a:t>20/11/2022</a:t>
             </a:fld>
             <a:endParaRPr lang="fr-FR"/>
           </a:p>
@@ -1147,7 +1147,7 @@
           <a:p>
             <a:fld id="{E15AAF15-BC94-4599-8F33-F774C0E903A0}" type="datetimeFigureOut">
               <a:rPr lang="fr-FR" smtClean="0"/>
-              <a:t>14/11/2022</a:t>
+              <a:t>20/11/2022</a:t>
             </a:fld>
             <a:endParaRPr lang="fr-FR"/>
           </a:p>
@@ -1412,7 +1412,7 @@
           <a:p>
             <a:fld id="{E15AAF15-BC94-4599-8F33-F774C0E903A0}" type="datetimeFigureOut">
               <a:rPr lang="fr-FR" smtClean="0"/>
-              <a:t>14/11/2022</a:t>
+              <a:t>20/11/2022</a:t>
             </a:fld>
             <a:endParaRPr lang="fr-FR"/>
           </a:p>
@@ -1824,7 +1824,7 @@
           <a:p>
             <a:fld id="{E15AAF15-BC94-4599-8F33-F774C0E903A0}" type="datetimeFigureOut">
               <a:rPr lang="fr-FR" smtClean="0"/>
-              <a:t>14/11/2022</a:t>
+              <a:t>20/11/2022</a:t>
             </a:fld>
             <a:endParaRPr lang="fr-FR"/>
           </a:p>
@@ -1965,7 +1965,7 @@
           <a:p>
             <a:fld id="{E15AAF15-BC94-4599-8F33-F774C0E903A0}" type="datetimeFigureOut">
               <a:rPr lang="fr-FR" smtClean="0"/>
-              <a:t>14/11/2022</a:t>
+              <a:t>20/11/2022</a:t>
             </a:fld>
             <a:endParaRPr lang="fr-FR"/>
           </a:p>
@@ -2078,7 +2078,7 @@
           <a:p>
             <a:fld id="{E15AAF15-BC94-4599-8F33-F774C0E903A0}" type="datetimeFigureOut">
               <a:rPr lang="fr-FR" smtClean="0"/>
-              <a:t>14/11/2022</a:t>
+              <a:t>20/11/2022</a:t>
             </a:fld>
             <a:endParaRPr lang="fr-FR"/>
           </a:p>
@@ -2389,7 +2389,7 @@
           <a:p>
             <a:fld id="{E15AAF15-BC94-4599-8F33-F774C0E903A0}" type="datetimeFigureOut">
               <a:rPr lang="fr-FR" smtClean="0"/>
-              <a:t>14/11/2022</a:t>
+              <a:t>20/11/2022</a:t>
             </a:fld>
             <a:endParaRPr lang="fr-FR"/>
           </a:p>
@@ -2677,7 +2677,7 @@
           <a:p>
             <a:fld id="{E15AAF15-BC94-4599-8F33-F774C0E903A0}" type="datetimeFigureOut">
               <a:rPr lang="fr-FR" smtClean="0"/>
-              <a:t>14/11/2022</a:t>
+              <a:t>20/11/2022</a:t>
             </a:fld>
             <a:endParaRPr lang="fr-FR"/>
           </a:p>
@@ -2918,7 +2918,7 @@
           <a:p>
             <a:fld id="{E15AAF15-BC94-4599-8F33-F774C0E903A0}" type="datetimeFigureOut">
               <a:rPr lang="fr-FR" smtClean="0"/>
-              <a:t>14/11/2022</a:t>
+              <a:t>20/11/2022</a:t>
             </a:fld>
             <a:endParaRPr lang="fr-FR"/>
           </a:p>
@@ -3846,7 +3846,7 @@
                 </a:solidFill>
                 <a:latin typeface="+mn-lt"/>
               </a:rPr>
-              <a:t>De filtres permettent d’affiner la recherche.</a:t>
+              <a:t>Des filtres permettent d’affiner la recherche.</a:t>
             </a:r>
             <a:br>
               <a:rPr lang="fr-FR" sz="2800" dirty="0">
@@ -3871,16 +3871,16 @@
                 </a:solidFill>
                 <a:latin typeface="+mn-lt"/>
               </a:rPr>
-              <a:t>Les résultats se présentent sous forme de carte avec nom de l’</a:t>
-            </a:r>
-            <a:r>
-              <a:rPr lang="fr-FR" sz="2800" dirty="0" err="1">
+              <a:t>Les résultats se présentent sous forme de carte avec nom </a:t>
+            </a:r>
+            <a:r>
+              <a:rPr lang="fr-FR" sz="2800">
                 <a:solidFill>
                   <a:srgbClr val="271A38"/>
                 </a:solidFill>
                 <a:latin typeface="+mn-lt"/>
               </a:rPr>
-              <a:t>établissment</a:t>
+              <a:t>de l’établissement</a:t>
             </a:r>
             <a:r>
               <a:rPr lang="fr-FR" sz="2800" dirty="0">
